--- a/Aula_6.pptx
+++ b/Aula_6.pptx
@@ -2,30 +2,30 @@
 <file path=ppt/presentation.xml><?xml version="1.0" encoding="utf-8"?>
 <p:presentation xmlns:a="http://schemas.openxmlformats.org/drawingml/2006/main" xmlns:r="http://schemas.openxmlformats.org/officeDocument/2006/relationships" xmlns:p="http://schemas.openxmlformats.org/presentationml/2006/main" saveSubsetFonts="1">
   <p:sldMasterIdLst>
-    <p:sldMasterId id="2147483648" r:id="rId1"/>
+    <p:sldMasterId id="2147483648" r:id="rId4"/>
   </p:sldMasterIdLst>
   <p:sldIdLst>
-    <p:sldId id="256" r:id="rId2"/>
-    <p:sldId id="257" r:id="rId3"/>
-    <p:sldId id="258" r:id="rId4"/>
-    <p:sldId id="259" r:id="rId5"/>
-    <p:sldId id="260" r:id="rId6"/>
-    <p:sldId id="261" r:id="rId7"/>
-    <p:sldId id="262" r:id="rId8"/>
-    <p:sldId id="263" r:id="rId9"/>
-    <p:sldId id="264" r:id="rId10"/>
-    <p:sldId id="265" r:id="rId11"/>
-    <p:sldId id="266" r:id="rId12"/>
-    <p:sldId id="267" r:id="rId13"/>
-    <p:sldId id="268" r:id="rId14"/>
-    <p:sldId id="269" r:id="rId15"/>
-    <p:sldId id="283" r:id="rId16"/>
-    <p:sldId id="270" r:id="rId17"/>
-    <p:sldId id="284" r:id="rId18"/>
-    <p:sldId id="271" r:id="rId19"/>
-    <p:sldId id="285" r:id="rId20"/>
-    <p:sldId id="272" r:id="rId21"/>
-    <p:sldId id="273" r:id="rId22"/>
+    <p:sldId id="256" r:id="rId5"/>
+    <p:sldId id="257" r:id="rId6"/>
+    <p:sldId id="258" r:id="rId7"/>
+    <p:sldId id="259" r:id="rId8"/>
+    <p:sldId id="260" r:id="rId9"/>
+    <p:sldId id="261" r:id="rId10"/>
+    <p:sldId id="262" r:id="rId11"/>
+    <p:sldId id="263" r:id="rId12"/>
+    <p:sldId id="264" r:id="rId13"/>
+    <p:sldId id="265" r:id="rId14"/>
+    <p:sldId id="266" r:id="rId15"/>
+    <p:sldId id="267" r:id="rId16"/>
+    <p:sldId id="268" r:id="rId17"/>
+    <p:sldId id="269" r:id="rId18"/>
+    <p:sldId id="283" r:id="rId19"/>
+    <p:sldId id="270" r:id="rId20"/>
+    <p:sldId id="284" r:id="rId21"/>
+    <p:sldId id="271" r:id="rId22"/>
+    <p:sldId id="285" r:id="rId23"/>
+    <p:sldId id="272" r:id="rId24"/>
+    <p:sldId id="273" r:id="rId25"/>
   </p:sldIdLst>
   <p:sldSz cx="12192000" cy="6858000"/>
   <p:notesSz cx="6858000" cy="9144000"/>
@@ -279,7 +279,7 @@
           <a:p>
             <a:fld id="{D2478908-4858-4E7E-B96C-74B964B1318E}" type="datetimeFigureOut">
               <a:rPr lang="pt-BR" smtClean="0"/>
-              <a:t>11/05/2023</a:t>
+              <a:t>19/06/2023</a:t>
             </a:fld>
             <a:endParaRPr lang="pt-BR"/>
           </a:p>
@@ -333,7 +333,7 @@
           <a:p>
             <a:fld id="{280B24E9-A3F8-4EA1-843C-3BF95F1039E8}" type="slidenum">
               <a:rPr lang="pt-BR" smtClean="0"/>
-              <a:t>‹nº›</a:t>
+              <a:t>‹#›</a:t>
             </a:fld>
             <a:endParaRPr lang="pt-BR"/>
           </a:p>
@@ -477,7 +477,7 @@
           <a:p>
             <a:fld id="{D2478908-4858-4E7E-B96C-74B964B1318E}" type="datetimeFigureOut">
               <a:rPr lang="pt-BR" smtClean="0"/>
-              <a:t>11/05/2023</a:t>
+              <a:t>19/06/2023</a:t>
             </a:fld>
             <a:endParaRPr lang="pt-BR"/>
           </a:p>
@@ -531,7 +531,7 @@
           <a:p>
             <a:fld id="{280B24E9-A3F8-4EA1-843C-3BF95F1039E8}" type="slidenum">
               <a:rPr lang="pt-BR" smtClean="0"/>
-              <a:t>‹nº›</a:t>
+              <a:t>‹#›</a:t>
             </a:fld>
             <a:endParaRPr lang="pt-BR"/>
           </a:p>
@@ -685,7 +685,7 @@
           <a:p>
             <a:fld id="{D2478908-4858-4E7E-B96C-74B964B1318E}" type="datetimeFigureOut">
               <a:rPr lang="pt-BR" smtClean="0"/>
-              <a:t>11/05/2023</a:t>
+              <a:t>19/06/2023</a:t>
             </a:fld>
             <a:endParaRPr lang="pt-BR"/>
           </a:p>
@@ -739,7 +739,7 @@
           <a:p>
             <a:fld id="{280B24E9-A3F8-4EA1-843C-3BF95F1039E8}" type="slidenum">
               <a:rPr lang="pt-BR" smtClean="0"/>
-              <a:t>‹nº›</a:t>
+              <a:t>‹#›</a:t>
             </a:fld>
             <a:endParaRPr lang="pt-BR"/>
           </a:p>
@@ -883,7 +883,7 @@
           <a:p>
             <a:fld id="{D2478908-4858-4E7E-B96C-74B964B1318E}" type="datetimeFigureOut">
               <a:rPr lang="pt-BR" smtClean="0"/>
-              <a:t>11/05/2023</a:t>
+              <a:t>19/06/2023</a:t>
             </a:fld>
             <a:endParaRPr lang="pt-BR"/>
           </a:p>
@@ -937,7 +937,7 @@
           <a:p>
             <a:fld id="{280B24E9-A3F8-4EA1-843C-3BF95F1039E8}" type="slidenum">
               <a:rPr lang="pt-BR" smtClean="0"/>
-              <a:t>‹nº›</a:t>
+              <a:t>‹#›</a:t>
             </a:fld>
             <a:endParaRPr lang="pt-BR"/>
           </a:p>
@@ -1158,7 +1158,7 @@
           <a:p>
             <a:fld id="{D2478908-4858-4E7E-B96C-74B964B1318E}" type="datetimeFigureOut">
               <a:rPr lang="pt-BR" smtClean="0"/>
-              <a:t>11/05/2023</a:t>
+              <a:t>19/06/2023</a:t>
             </a:fld>
             <a:endParaRPr lang="pt-BR"/>
           </a:p>
@@ -1212,7 +1212,7 @@
           <a:p>
             <a:fld id="{280B24E9-A3F8-4EA1-843C-3BF95F1039E8}" type="slidenum">
               <a:rPr lang="pt-BR" smtClean="0"/>
-              <a:t>‹nº›</a:t>
+              <a:t>‹#›</a:t>
             </a:fld>
             <a:endParaRPr lang="pt-BR"/>
           </a:p>
@@ -1423,7 +1423,7 @@
           <a:p>
             <a:fld id="{D2478908-4858-4E7E-B96C-74B964B1318E}" type="datetimeFigureOut">
               <a:rPr lang="pt-BR" smtClean="0"/>
-              <a:t>11/05/2023</a:t>
+              <a:t>19/06/2023</a:t>
             </a:fld>
             <a:endParaRPr lang="pt-BR"/>
           </a:p>
@@ -1477,7 +1477,7 @@
           <a:p>
             <a:fld id="{280B24E9-A3F8-4EA1-843C-3BF95F1039E8}" type="slidenum">
               <a:rPr lang="pt-BR" smtClean="0"/>
-              <a:t>‹nº›</a:t>
+              <a:t>‹#›</a:t>
             </a:fld>
             <a:endParaRPr lang="pt-BR"/>
           </a:p>
@@ -1835,7 +1835,7 @@
           <a:p>
             <a:fld id="{D2478908-4858-4E7E-B96C-74B964B1318E}" type="datetimeFigureOut">
               <a:rPr lang="pt-BR" smtClean="0"/>
-              <a:t>11/05/2023</a:t>
+              <a:t>19/06/2023</a:t>
             </a:fld>
             <a:endParaRPr lang="pt-BR"/>
           </a:p>
@@ -1889,7 +1889,7 @@
           <a:p>
             <a:fld id="{280B24E9-A3F8-4EA1-843C-3BF95F1039E8}" type="slidenum">
               <a:rPr lang="pt-BR" smtClean="0"/>
-              <a:t>‹nº›</a:t>
+              <a:t>‹#›</a:t>
             </a:fld>
             <a:endParaRPr lang="pt-BR"/>
           </a:p>
@@ -1976,7 +1976,7 @@
           <a:p>
             <a:fld id="{D2478908-4858-4E7E-B96C-74B964B1318E}" type="datetimeFigureOut">
               <a:rPr lang="pt-BR" smtClean="0"/>
-              <a:t>11/05/2023</a:t>
+              <a:t>19/06/2023</a:t>
             </a:fld>
             <a:endParaRPr lang="pt-BR"/>
           </a:p>
@@ -2030,7 +2030,7 @@
           <a:p>
             <a:fld id="{280B24E9-A3F8-4EA1-843C-3BF95F1039E8}" type="slidenum">
               <a:rPr lang="pt-BR" smtClean="0"/>
-              <a:t>‹nº›</a:t>
+              <a:t>‹#›</a:t>
             </a:fld>
             <a:endParaRPr lang="pt-BR"/>
           </a:p>
@@ -2089,7 +2089,7 @@
           <a:p>
             <a:fld id="{D2478908-4858-4E7E-B96C-74B964B1318E}" type="datetimeFigureOut">
               <a:rPr lang="pt-BR" smtClean="0"/>
-              <a:t>11/05/2023</a:t>
+              <a:t>19/06/2023</a:t>
             </a:fld>
             <a:endParaRPr lang="pt-BR"/>
           </a:p>
@@ -2143,7 +2143,7 @@
           <a:p>
             <a:fld id="{280B24E9-A3F8-4EA1-843C-3BF95F1039E8}" type="slidenum">
               <a:rPr lang="pt-BR" smtClean="0"/>
-              <a:t>‹nº›</a:t>
+              <a:t>‹#›</a:t>
             </a:fld>
             <a:endParaRPr lang="pt-BR"/>
           </a:p>
@@ -2400,7 +2400,7 @@
           <a:p>
             <a:fld id="{D2478908-4858-4E7E-B96C-74B964B1318E}" type="datetimeFigureOut">
               <a:rPr lang="pt-BR" smtClean="0"/>
-              <a:t>11/05/2023</a:t>
+              <a:t>19/06/2023</a:t>
             </a:fld>
             <a:endParaRPr lang="pt-BR"/>
           </a:p>
@@ -2454,7 +2454,7 @@
           <a:p>
             <a:fld id="{280B24E9-A3F8-4EA1-843C-3BF95F1039E8}" type="slidenum">
               <a:rPr lang="pt-BR" smtClean="0"/>
-              <a:t>‹nº›</a:t>
+              <a:t>‹#›</a:t>
             </a:fld>
             <a:endParaRPr lang="pt-BR"/>
           </a:p>
@@ -2688,7 +2688,7 @@
           <a:p>
             <a:fld id="{D2478908-4858-4E7E-B96C-74B964B1318E}" type="datetimeFigureOut">
               <a:rPr lang="pt-BR" smtClean="0"/>
-              <a:t>11/05/2023</a:t>
+              <a:t>19/06/2023</a:t>
             </a:fld>
             <a:endParaRPr lang="pt-BR"/>
           </a:p>
@@ -2742,7 +2742,7 @@
           <a:p>
             <a:fld id="{280B24E9-A3F8-4EA1-843C-3BF95F1039E8}" type="slidenum">
               <a:rPr lang="pt-BR" smtClean="0"/>
-              <a:t>‹nº›</a:t>
+              <a:t>‹#›</a:t>
             </a:fld>
             <a:endParaRPr lang="pt-BR"/>
           </a:p>
@@ -2929,7 +2929,7 @@
           <a:p>
             <a:fld id="{D2478908-4858-4E7E-B96C-74B964B1318E}" type="datetimeFigureOut">
               <a:rPr lang="pt-BR" smtClean="0"/>
-              <a:t>11/05/2023</a:t>
+              <a:t>19/06/2023</a:t>
             </a:fld>
             <a:endParaRPr lang="pt-BR"/>
           </a:p>
@@ -3019,7 +3019,7 @@
           <a:p>
             <a:fld id="{280B24E9-A3F8-4EA1-843C-3BF95F1039E8}" type="slidenum">
               <a:rPr lang="pt-BR" smtClean="0"/>
-              <a:t>‹nº›</a:t>
+              <a:t>‹#›</a:t>
             </a:fld>
             <a:endParaRPr lang="pt-BR"/>
           </a:p>
@@ -4222,8 +4222,8 @@
         </p:nvSpPr>
         <p:spPr bwMode="auto">
           <a:xfrm>
-            <a:off x="171450" y="1614487"/>
-            <a:ext cx="12192000" cy="457200"/>
+            <a:off x="171450" y="458092"/>
+            <a:ext cx="11574002" cy="2769989"/>
           </a:xfrm>
           <a:prstGeom prst="rect">
             <a:avLst/>
@@ -4415,76 +4415,18 @@
               <a:tabLst/>
             </a:pPr>
             <a:r>
-              <a:rPr kumimoji="0" lang="pt-BR" altLang="pt-BR" sz="1200" b="1" i="0" u="none" strike="noStrike" cap="none" normalizeH="0" baseline="0">
-                <a:ln>
-                  <a:noFill/>
-                </a:ln>
-                <a:solidFill>
-                  <a:srgbClr val="333333"/>
-                </a:solidFill>
-                <a:effectLst/>
-                <a:latin typeface="Verdana" panose="020B0604030504040204" pitchFamily="34" charset="0"/>
-              </a:rPr>
-              <a:t>Questão: Como responsável pelo setor de segurança da informação de uma instituição financeira, dentre as políticas de segurança adotadas está o controle de acesso lógico que é o conjunto de medidas de segurança que protegem os recursos informatizados conforme a necessidade e os privilégios de acesso do usuário. Classificado como “sujeito ativo”, esse usuário deve ser identificado e autenticado por meio de senha ou outros mecanismos de verificação.</a:t>
-            </a:r>
-            <a:br>
-              <a:rPr kumimoji="0" lang="pt-BR" altLang="pt-BR" sz="1200" b="1" i="0" u="none" strike="noStrike" cap="none" normalizeH="0" baseline="0">
-                <a:ln>
-                  <a:noFill/>
-                </a:ln>
-                <a:solidFill>
-                  <a:srgbClr val="333333"/>
-                </a:solidFill>
-                <a:effectLst/>
-                <a:latin typeface="Verdana" panose="020B0604030504040204" pitchFamily="34" charset="0"/>
-              </a:rPr>
-            </a:br>
-            <a:br>
-              <a:rPr kumimoji="0" lang="pt-BR" altLang="pt-BR" sz="1200" b="1" i="0" u="none" strike="noStrike" cap="none" normalizeH="0" baseline="0">
-                <a:ln>
-                  <a:noFill/>
-                </a:ln>
-                <a:solidFill>
-                  <a:srgbClr val="333333"/>
-                </a:solidFill>
-                <a:effectLst/>
-                <a:latin typeface="Verdana" panose="020B0604030504040204" pitchFamily="34" charset="0"/>
-              </a:rPr>
-            </a:br>
-            <a:r>
-              <a:rPr kumimoji="0" lang="pt-BR" altLang="pt-BR" sz="1200" b="1" i="0" u="none" strike="noStrike" cap="none" normalizeH="0" baseline="0">
-                <a:ln>
-                  <a:noFill/>
-                </a:ln>
-                <a:solidFill>
-                  <a:srgbClr val="333333"/>
-                </a:solidFill>
-                <a:effectLst/>
-                <a:latin typeface="Verdana" panose="020B0604030504040204" pitchFamily="34" charset="0"/>
-              </a:rPr>
-              <a:t>Dentre as alternativas abaixo, a que melhor caracteriza um procedimento de segurança da informação é:</a:t>
-            </a:r>
-            <a:br>
-              <a:rPr kumimoji="0" lang="pt-BR" altLang="pt-BR" sz="1200" b="1" i="0" u="none" strike="noStrike" cap="none" normalizeH="0" baseline="0">
-                <a:ln>
-                  <a:noFill/>
-                </a:ln>
-                <a:solidFill>
-                  <a:srgbClr val="333333"/>
-                </a:solidFill>
-                <a:effectLst/>
-                <a:latin typeface="Verdana" panose="020B0604030504040204" pitchFamily="34" charset="0"/>
-              </a:rPr>
-            </a:br>
-            <a:endParaRPr kumimoji="0" lang="pt-BR" altLang="pt-BR" sz="800" b="0" i="0" u="none" strike="noStrike" cap="none" normalizeH="0" baseline="0">
-              <a:ln>
-                <a:noFill/>
-              </a:ln>
-              <a:solidFill>
-                <a:schemeClr val="tx1"/>
-              </a:solidFill>
-              <a:effectLst/>
-            </a:endParaRPr>
+              <a:rPr kumimoji="0" lang="pt-BR" altLang="pt-BR" sz="1200" b="1" i="0" u="none" strike="noStrike" cap="none" normalizeH="0" baseline="0" dirty="0">
+                <a:ln>
+                  <a:noFill/>
+                </a:ln>
+                <a:solidFill>
+                  <a:srgbClr val="333333"/>
+                </a:solidFill>
+                <a:effectLst/>
+                <a:latin typeface="Verdana" panose="020B0604030504040204" pitchFamily="34" charset="0"/>
+              </a:rPr>
+              <a:t>Questão: Como responsável pelo setor de segurança da informação de uma instituição financeira, dentre as políticas de segurança</a:t>
+            </a:r>
           </a:p>
           <a:p>
             <a:pPr marL="0" marR="0" lvl="0" indent="0" algn="l" defTabSz="914400" rtl="0" eaLnBrk="0" fontAlgn="base" latinLnBrk="0" hangingPunct="0">
@@ -4503,19 +4445,131 @@
               <a:buNone/>
               <a:tabLst/>
             </a:pPr>
+            <a:r>
+              <a:rPr kumimoji="0" lang="pt-BR" altLang="pt-BR" sz="1200" b="1" i="0" u="none" strike="noStrike" cap="none" normalizeH="0" baseline="0" dirty="0">
+                <a:ln>
+                  <a:noFill/>
+                </a:ln>
+                <a:solidFill>
+                  <a:srgbClr val="333333"/>
+                </a:solidFill>
+                <a:effectLst/>
+                <a:latin typeface="Verdana" panose="020B0604030504040204" pitchFamily="34" charset="0"/>
+              </a:rPr>
+              <a:t>adotadas está o controle de acesso lógico que é o conjunto de medidas de segurança que protegem os recursos informatizados </a:t>
+            </a:r>
+          </a:p>
+          <a:p>
+            <a:pPr marL="0" marR="0" lvl="0" indent="0" algn="l" defTabSz="914400" rtl="0" eaLnBrk="0" fontAlgn="base" latinLnBrk="0" hangingPunct="0">
+              <a:lnSpc>
+                <a:spcPct val="100000"/>
+              </a:lnSpc>
+              <a:spcBef>
+                <a:spcPct val="0"/>
+              </a:spcBef>
+              <a:spcAft>
+                <a:spcPct val="0"/>
+              </a:spcAft>
+              <a:buClrTx/>
+              <a:buSzTx/>
+              <a:buFontTx/>
+              <a:buNone/>
+              <a:tabLst/>
+            </a:pPr>
+            <a:r>
+              <a:rPr kumimoji="0" lang="pt-BR" altLang="pt-BR" sz="1200" b="1" i="0" u="none" strike="noStrike" cap="none" normalizeH="0" baseline="0" dirty="0">
+                <a:ln>
+                  <a:noFill/>
+                </a:ln>
+                <a:solidFill>
+                  <a:srgbClr val="333333"/>
+                </a:solidFill>
+                <a:effectLst/>
+                <a:latin typeface="Verdana" panose="020B0604030504040204" pitchFamily="34" charset="0"/>
+              </a:rPr>
+              <a:t>conforme a necessidade e os privilégios de acesso do usuário. Classificado como “sujeito ativo”, esse usuário deve ser identificado </a:t>
+            </a:r>
+          </a:p>
+          <a:p>
+            <a:pPr marL="0" marR="0" lvl="0" indent="0" algn="l" defTabSz="914400" rtl="0" eaLnBrk="0" fontAlgn="base" latinLnBrk="0" hangingPunct="0">
+              <a:lnSpc>
+                <a:spcPct val="100000"/>
+              </a:lnSpc>
+              <a:spcBef>
+                <a:spcPct val="0"/>
+              </a:spcBef>
+              <a:spcAft>
+                <a:spcPct val="0"/>
+              </a:spcAft>
+              <a:buClrTx/>
+              <a:buSzTx/>
+              <a:buFontTx/>
+              <a:buNone/>
+              <a:tabLst/>
+            </a:pPr>
+            <a:r>
+              <a:rPr kumimoji="0" lang="pt-BR" altLang="pt-BR" sz="1200" b="1" i="0" u="none" strike="noStrike" cap="none" normalizeH="0" baseline="0" dirty="0">
+                <a:ln>
+                  <a:noFill/>
+                </a:ln>
+                <a:solidFill>
+                  <a:srgbClr val="333333"/>
+                </a:solidFill>
+                <a:effectLst/>
+                <a:latin typeface="Verdana" panose="020B0604030504040204" pitchFamily="34" charset="0"/>
+              </a:rPr>
+              <a:t>e autenticado por meio de senha ou outros mecanismos de verificação.</a:t>
+            </a:r>
             <a:br>
-              <a:rPr kumimoji="0" lang="pt-BR" altLang="pt-BR" sz="1800" b="0" i="0" u="none" strike="noStrike" cap="none" normalizeH="0" baseline="0">
-                <a:ln>
-                  <a:noFill/>
-                </a:ln>
-                <a:solidFill>
-                  <a:schemeClr val="tx1"/>
-                </a:solidFill>
-                <a:effectLst/>
-                <a:latin typeface="Arial" panose="020B0604020202020204" pitchFamily="34" charset="0"/>
+              <a:rPr kumimoji="0" lang="pt-BR" altLang="pt-BR" sz="1200" b="1" i="0" u="none" strike="noStrike" cap="none" normalizeH="0" baseline="0" dirty="0">
+                <a:ln>
+                  <a:noFill/>
+                </a:ln>
+                <a:solidFill>
+                  <a:srgbClr val="333333"/>
+                </a:solidFill>
+                <a:effectLst/>
+                <a:latin typeface="Verdana" panose="020B0604030504040204" pitchFamily="34" charset="0"/>
               </a:rPr>
             </a:br>
-            <a:endParaRPr kumimoji="0" lang="pt-BR" altLang="pt-BR" sz="1800" b="0" i="0" u="none" strike="noStrike" cap="none" normalizeH="0" baseline="0">
+            <a:br>
+              <a:rPr kumimoji="0" lang="pt-BR" altLang="pt-BR" sz="1200" b="1" i="0" u="none" strike="noStrike" cap="none" normalizeH="0" baseline="0" dirty="0">
+                <a:ln>
+                  <a:noFill/>
+                </a:ln>
+                <a:solidFill>
+                  <a:srgbClr val="333333"/>
+                </a:solidFill>
+                <a:effectLst/>
+                <a:latin typeface="Verdana" panose="020B0604030504040204" pitchFamily="34" charset="0"/>
+              </a:rPr>
+            </a:br>
+            <a:r>
+              <a:rPr kumimoji="0" lang="pt-BR" altLang="pt-BR" sz="1200" b="1" i="0" u="none" strike="noStrike" cap="none" normalizeH="0" baseline="0" dirty="0">
+                <a:ln>
+                  <a:noFill/>
+                </a:ln>
+                <a:solidFill>
+                  <a:srgbClr val="333333"/>
+                </a:solidFill>
+                <a:effectLst/>
+                <a:latin typeface="Verdana" panose="020B0604030504040204" pitchFamily="34" charset="0"/>
+              </a:rPr>
+              <a:t>Dentre as alternativas abaixo, a que melhor caracteriza um procedimento de segurança da informação é:</a:t>
+            </a:r>
+            <a:br>
+              <a:rPr kumimoji="0" lang="pt-BR" altLang="pt-BR" sz="1200" b="1" i="0" u="none" strike="noStrike" cap="none" normalizeH="0" baseline="0" dirty="0">
+                <a:ln>
+                  <a:noFill/>
+                </a:ln>
+                <a:solidFill>
+                  <a:srgbClr val="333333"/>
+                </a:solidFill>
+                <a:effectLst/>
+                <a:latin typeface="Verdana" panose="020B0604030504040204" pitchFamily="34" charset="0"/>
+              </a:rPr>
+            </a:br>
+            <a:endParaRPr kumimoji="0" lang="pt-BR" altLang="pt-BR" sz="1800" b="0" i="0" u="none" strike="noStrike" cap="none" normalizeH="0" baseline="0" dirty="0">
               <a:ln>
                 <a:noFill/>
               </a:ln>
@@ -4544,7 +4598,7 @@
               <a:tabLst/>
             </a:pPr>
             <a:r>
-              <a:rPr kumimoji="0" lang="pt-BR" altLang="pt-BR" sz="1200" b="0" i="0" u="none" strike="noStrike" cap="none" normalizeH="0" baseline="0">
+              <a:rPr kumimoji="0" lang="pt-BR" altLang="pt-BR" sz="1200" b="0" i="0" u="none" strike="noStrike" cap="none" normalizeH="0" baseline="0" dirty="0">
                 <a:ln>
                   <a:noFill/>
                 </a:ln>
@@ -4557,7 +4611,7 @@
               <a:t>Aumentar a velocidade do link de internet.</a:t>
             </a:r>
             <a:br>
-              <a:rPr kumimoji="0" lang="pt-BR" altLang="pt-BR" sz="1200" b="0" i="0" u="none" strike="noStrike" cap="none" normalizeH="0" baseline="0">
+              <a:rPr kumimoji="0" lang="pt-BR" altLang="pt-BR" sz="1200" b="0" i="0" u="none" strike="noStrike" cap="none" normalizeH="0" baseline="0" dirty="0">
                 <a:ln>
                   <a:noFill/>
                 </a:ln>
@@ -4568,7 +4622,7 @@
                 <a:latin typeface="Verdana" panose="020B0604030504040204" pitchFamily="34" charset="0"/>
               </a:rPr>
             </a:br>
-            <a:endParaRPr kumimoji="0" lang="pt-BR" altLang="pt-BR" sz="1200" b="0" i="0" u="none" strike="noStrike" cap="none" normalizeH="0" baseline="0">
+            <a:endParaRPr kumimoji="0" lang="pt-BR" altLang="pt-BR" sz="1200" b="0" i="0" u="none" strike="noStrike" cap="none" normalizeH="0" baseline="0" dirty="0">
               <a:ln>
                 <a:noFill/>
               </a:ln>
@@ -4597,7 +4651,7 @@
               <a:tabLst/>
             </a:pPr>
             <a:r>
-              <a:rPr kumimoji="0" lang="pt-BR" altLang="pt-BR" sz="1200" b="0" i="0" u="none" strike="noStrike" cap="none" normalizeH="0" baseline="0">
+              <a:rPr kumimoji="0" lang="pt-BR" altLang="pt-BR" sz="1200" b="0" i="0" u="none" strike="noStrike" cap="none" normalizeH="0" baseline="0" dirty="0">
                 <a:ln>
                   <a:noFill/>
                 </a:ln>
@@ -4610,7 +4664,7 @@
               <a:t>Realizar cópias de arquivos esporadicamente.</a:t>
             </a:r>
             <a:br>
-              <a:rPr kumimoji="0" lang="pt-BR" altLang="pt-BR" sz="1200" b="0" i="0" u="none" strike="noStrike" cap="none" normalizeH="0" baseline="0">
+              <a:rPr kumimoji="0" lang="pt-BR" altLang="pt-BR" sz="1200" b="0" i="0" u="none" strike="noStrike" cap="none" normalizeH="0" baseline="0" dirty="0">
                 <a:ln>
                   <a:noFill/>
                 </a:ln>
@@ -4621,7 +4675,7 @@
                 <a:latin typeface="Verdana" panose="020B0604030504040204" pitchFamily="34" charset="0"/>
               </a:rPr>
             </a:br>
-            <a:endParaRPr kumimoji="0" lang="pt-BR" altLang="pt-BR" sz="1200" b="0" i="0" u="none" strike="noStrike" cap="none" normalizeH="0" baseline="0">
+            <a:endParaRPr kumimoji="0" lang="pt-BR" altLang="pt-BR" sz="1200" b="0" i="0" u="none" strike="noStrike" cap="none" normalizeH="0" baseline="0" dirty="0">
               <a:ln>
                 <a:noFill/>
               </a:ln>
@@ -4650,7 +4704,7 @@
               <a:tabLst/>
             </a:pPr>
             <a:r>
-              <a:rPr kumimoji="0" lang="pt-BR" altLang="pt-BR" sz="1200" b="0" i="0" u="none" strike="noStrike" cap="none" normalizeH="0" baseline="0">
+              <a:rPr kumimoji="0" lang="pt-BR" altLang="pt-BR" sz="1200" b="0" i="0" u="none" strike="noStrike" cap="none" normalizeH="0" baseline="0" dirty="0">
                 <a:ln>
                   <a:noFill/>
                 </a:ln>
@@ -4663,7 +4717,7 @@
               <a:t>Adquirir um novo equipamento e com processador atualizado.</a:t>
             </a:r>
             <a:br>
-              <a:rPr kumimoji="0" lang="pt-BR" altLang="pt-BR" sz="1200" b="0" i="0" u="none" strike="noStrike" cap="none" normalizeH="0" baseline="0">
+              <a:rPr kumimoji="0" lang="pt-BR" altLang="pt-BR" sz="1200" b="0" i="0" u="none" strike="noStrike" cap="none" normalizeH="0" baseline="0" dirty="0">
                 <a:ln>
                   <a:noFill/>
                 </a:ln>
@@ -4674,7 +4728,7 @@
                 <a:latin typeface="Verdana" panose="020B0604030504040204" pitchFamily="34" charset="0"/>
               </a:rPr>
             </a:br>
-            <a:endParaRPr kumimoji="0" lang="pt-BR" altLang="pt-BR" sz="1200" b="0" i="0" u="none" strike="noStrike" cap="none" normalizeH="0" baseline="0">
+            <a:endParaRPr kumimoji="0" lang="pt-BR" altLang="pt-BR" sz="1200" b="0" i="0" u="none" strike="noStrike" cap="none" normalizeH="0" baseline="0" dirty="0">
               <a:ln>
                 <a:noFill/>
               </a:ln>
@@ -4703,19 +4757,22 @@
               <a:tabLst/>
             </a:pPr>
             <a:r>
-              <a:rPr kumimoji="0" lang="pt-BR" altLang="pt-BR" sz="1200" b="0" i="0" u="none" strike="noStrike" cap="none" normalizeH="0" baseline="0">
-                <a:ln>
-                  <a:noFill/>
-                </a:ln>
-                <a:solidFill>
-                  <a:srgbClr val="333333"/>
-                </a:solidFill>
-                <a:effectLst/>
+              <a:rPr kumimoji="0" lang="pt-BR" altLang="pt-BR" sz="1200" b="0" i="0" u="none" strike="noStrike" cap="none" normalizeH="0" baseline="0" dirty="0">
+                <a:ln>
+                  <a:noFill/>
+                </a:ln>
+                <a:solidFill>
+                  <a:srgbClr val="333333"/>
+                </a:solidFill>
+                <a:effectLst/>
+                <a:highlight>
+                  <a:srgbClr val="FFFF00"/>
+                </a:highlight>
                 <a:latin typeface="Verdana" panose="020B0604030504040204" pitchFamily="34" charset="0"/>
               </a:rPr>
               <a:t>Trocar periodicamente as senhas de e-mail e internet banking.</a:t>
             </a:r>
-            <a:endParaRPr kumimoji="0" lang="pt-BR" altLang="pt-BR" sz="1800" b="0" i="0" u="none" strike="noStrike" cap="none" normalizeH="0" baseline="0">
+            <a:endParaRPr kumimoji="0" lang="pt-BR" altLang="pt-BR" sz="1800" b="0" i="0" u="none" strike="noStrike" cap="none" normalizeH="0" baseline="0" dirty="0">
               <a:ln>
                 <a:noFill/>
               </a:ln>
@@ -4723,6 +4780,9 @@
                 <a:schemeClr val="tx1"/>
               </a:solidFill>
               <a:effectLst/>
+              <a:highlight>
+                <a:srgbClr val="FFFF00"/>
+              </a:highlight>
               <a:latin typeface="Arial" panose="020B0604020202020204" pitchFamily="34" charset="0"/>
             </a:endParaRPr>
           </a:p>
@@ -4744,8 +4804,8 @@
         </p:nvSpPr>
         <p:spPr bwMode="auto">
           <a:xfrm>
-            <a:off x="300038" y="4443413"/>
-            <a:ext cx="12192000" cy="457200"/>
+            <a:off x="171450" y="3492758"/>
+            <a:ext cx="11925407" cy="2862322"/>
           </a:xfrm>
           <a:prstGeom prst="rect">
             <a:avLst/>
@@ -4785,7 +4845,7 @@
           </a:extLst>
         </p:spPr>
         <p:txBody>
-          <a:bodyPr vert="horz" wrap="none" lIns="91440" tIns="45720" rIns="91440" bIns="45720" numCol="1" anchor="ctr" anchorCtr="0" compatLnSpc="1">
+          <a:bodyPr vert="horz" wrap="square" lIns="91440" tIns="45720" rIns="91440" bIns="45720" numCol="1" anchor="ctr" anchorCtr="0" compatLnSpc="1">
             <a:prstTxWarp prst="textNoShape">
               <a:avLst/>
             </a:prstTxWarp>
@@ -4937,76 +4997,18 @@
               <a:tabLst/>
             </a:pPr>
             <a:r>
-              <a:rPr kumimoji="0" lang="pt-BR" altLang="pt-BR" sz="1200" b="1" i="0" u="none" strike="noStrike" cap="none" normalizeH="0" baseline="0">
-                <a:ln>
-                  <a:noFill/>
-                </a:ln>
-                <a:solidFill>
-                  <a:srgbClr val="333333"/>
-                </a:solidFill>
-                <a:effectLst/>
-                <a:latin typeface="Verdana" panose="020B0604030504040204" pitchFamily="34" charset="0"/>
-              </a:rPr>
-              <a:t>Questão: Como técnico em desenvolvimento de sistemas, você sabe que em meio a tantas mudanças tecnológicas, sociológicas e comportamentais surgem também muitos desafios de negócios no desenvolvimento e implementação de novos usos da tecnologia da informação em uma empresa, já que muitas delas e seus profissionais não reconhecem a informação como um ativo e, por isso, elas deixam de ser competitivas. Na era da informação, o patrimônio das empresas deixou de ser composto apenas de bens tangíveis (computadores, mesas, cadeiras etc.), mas também por aquilo que a companhia representa junto à sociedade e todo conhecimento nela existente.</a:t>
-            </a:r>
-            <a:br>
-              <a:rPr kumimoji="0" lang="pt-BR" altLang="pt-BR" sz="1200" b="1" i="0" u="none" strike="noStrike" cap="none" normalizeH="0" baseline="0">
-                <a:ln>
-                  <a:noFill/>
-                </a:ln>
-                <a:solidFill>
-                  <a:srgbClr val="333333"/>
-                </a:solidFill>
-                <a:effectLst/>
-                <a:latin typeface="Verdana" panose="020B0604030504040204" pitchFamily="34" charset="0"/>
-              </a:rPr>
-            </a:br>
-            <a:br>
-              <a:rPr kumimoji="0" lang="pt-BR" altLang="pt-BR" sz="1200" b="1" i="0" u="none" strike="noStrike" cap="none" normalizeH="0" baseline="0">
-                <a:ln>
-                  <a:noFill/>
-                </a:ln>
-                <a:solidFill>
-                  <a:srgbClr val="333333"/>
-                </a:solidFill>
-                <a:effectLst/>
-                <a:latin typeface="Verdana" panose="020B0604030504040204" pitchFamily="34" charset="0"/>
-              </a:rPr>
-            </a:br>
-            <a:r>
-              <a:rPr kumimoji="0" lang="pt-BR" altLang="pt-BR" sz="1200" b="1" i="0" u="none" strike="noStrike" cap="none" normalizeH="0" baseline="0">
-                <a:ln>
-                  <a:noFill/>
-                </a:ln>
-                <a:solidFill>
-                  <a:srgbClr val="333333"/>
-                </a:solidFill>
-                <a:effectLst/>
-                <a:latin typeface="Verdana" panose="020B0604030504040204" pitchFamily="34" charset="0"/>
-              </a:rPr>
-              <a:t>Neste contexto assinale a alternativa que indica qual o objetivo fundamental da Segurança da Informação.</a:t>
-            </a:r>
-            <a:br>
-              <a:rPr kumimoji="0" lang="pt-BR" altLang="pt-BR" sz="1200" b="1" i="0" u="none" strike="noStrike" cap="none" normalizeH="0" baseline="0">
-                <a:ln>
-                  <a:noFill/>
-                </a:ln>
-                <a:solidFill>
-                  <a:srgbClr val="333333"/>
-                </a:solidFill>
-                <a:effectLst/>
-                <a:latin typeface="Verdana" panose="020B0604030504040204" pitchFamily="34" charset="0"/>
-              </a:rPr>
-            </a:br>
-            <a:endParaRPr kumimoji="0" lang="pt-BR" altLang="pt-BR" sz="800" b="0" i="0" u="none" strike="noStrike" cap="none" normalizeH="0" baseline="0">
-              <a:ln>
-                <a:noFill/>
-              </a:ln>
-              <a:solidFill>
-                <a:schemeClr val="tx1"/>
-              </a:solidFill>
-              <a:effectLst/>
-            </a:endParaRPr>
+              <a:rPr kumimoji="0" lang="pt-BR" altLang="pt-BR" sz="1200" b="1" i="0" u="none" strike="noStrike" cap="none" normalizeH="0" baseline="0" dirty="0">
+                <a:ln>
+                  <a:noFill/>
+                </a:ln>
+                <a:solidFill>
+                  <a:srgbClr val="333333"/>
+                </a:solidFill>
+                <a:effectLst/>
+                <a:latin typeface="Verdana" panose="020B0604030504040204" pitchFamily="34" charset="0"/>
+              </a:rPr>
+              <a:t>Questão: Como técnico em desenvolvimento de sistemas, você sabe que em meio a tantas mudanças tecnológicas, sociológicas </a:t>
+            </a:r>
           </a:p>
           <a:p>
             <a:pPr marL="0" marR="0" lvl="0" indent="0" algn="l" defTabSz="914400" rtl="0" eaLnBrk="0" fontAlgn="base" latinLnBrk="0" hangingPunct="0">
@@ -5025,19 +5027,194 @@
               <a:buNone/>
               <a:tabLst/>
             </a:pPr>
+            <a:r>
+              <a:rPr kumimoji="0" lang="pt-BR" altLang="pt-BR" sz="1200" b="1" i="0" u="none" strike="noStrike" cap="none" normalizeH="0" baseline="0" dirty="0">
+                <a:ln>
+                  <a:noFill/>
+                </a:ln>
+                <a:solidFill>
+                  <a:srgbClr val="333333"/>
+                </a:solidFill>
+                <a:effectLst/>
+                <a:latin typeface="Verdana" panose="020B0604030504040204" pitchFamily="34" charset="0"/>
+              </a:rPr>
+              <a:t>e comportamentais surgem também muitos desafios de negócios no desenvolvimento e implementação de novos usos da tecnologia </a:t>
+            </a:r>
+          </a:p>
+          <a:p>
+            <a:pPr marL="0" marR="0" lvl="0" indent="0" algn="l" defTabSz="914400" rtl="0" eaLnBrk="0" fontAlgn="base" latinLnBrk="0" hangingPunct="0">
+              <a:lnSpc>
+                <a:spcPct val="100000"/>
+              </a:lnSpc>
+              <a:spcBef>
+                <a:spcPct val="0"/>
+              </a:spcBef>
+              <a:spcAft>
+                <a:spcPct val="0"/>
+              </a:spcAft>
+              <a:buClrTx/>
+              <a:buSzTx/>
+              <a:buFontTx/>
+              <a:buNone/>
+              <a:tabLst/>
+            </a:pPr>
+            <a:r>
+              <a:rPr kumimoji="0" lang="pt-BR" altLang="pt-BR" sz="1200" b="1" i="0" u="none" strike="noStrike" cap="none" normalizeH="0" baseline="0" dirty="0">
+                <a:ln>
+                  <a:noFill/>
+                </a:ln>
+                <a:solidFill>
+                  <a:srgbClr val="333333"/>
+                </a:solidFill>
+                <a:effectLst/>
+                <a:latin typeface="Verdana" panose="020B0604030504040204" pitchFamily="34" charset="0"/>
+              </a:rPr>
+              <a:t>da informação em uma empresa, já que muitas delas e seus profissionais não reconhecem a informação como um ativo e, por isso, </a:t>
+            </a:r>
+          </a:p>
+          <a:p>
+            <a:pPr marL="0" marR="0" lvl="0" indent="0" algn="l" defTabSz="914400" rtl="0" eaLnBrk="0" fontAlgn="base" latinLnBrk="0" hangingPunct="0">
+              <a:lnSpc>
+                <a:spcPct val="100000"/>
+              </a:lnSpc>
+              <a:spcBef>
+                <a:spcPct val="0"/>
+              </a:spcBef>
+              <a:spcAft>
+                <a:spcPct val="0"/>
+              </a:spcAft>
+              <a:buClrTx/>
+              <a:buSzTx/>
+              <a:buFontTx/>
+              <a:buNone/>
+              <a:tabLst/>
+            </a:pPr>
+            <a:r>
+              <a:rPr kumimoji="0" lang="pt-BR" altLang="pt-BR" sz="1200" b="1" i="0" u="none" strike="noStrike" cap="none" normalizeH="0" baseline="0" dirty="0">
+                <a:ln>
+                  <a:noFill/>
+                </a:ln>
+                <a:solidFill>
+                  <a:srgbClr val="333333"/>
+                </a:solidFill>
+                <a:effectLst/>
+                <a:latin typeface="Verdana" panose="020B0604030504040204" pitchFamily="34" charset="0"/>
+              </a:rPr>
+              <a:t>elas deixam de ser competitivas. Na era da informação, o patrimônio das empresas deixou de ser composto apenas de bens tangíveis </a:t>
+            </a:r>
+          </a:p>
+          <a:p>
+            <a:pPr marL="0" marR="0" lvl="0" indent="0" algn="l" defTabSz="914400" rtl="0" eaLnBrk="0" fontAlgn="base" latinLnBrk="0" hangingPunct="0">
+              <a:lnSpc>
+                <a:spcPct val="100000"/>
+              </a:lnSpc>
+              <a:spcBef>
+                <a:spcPct val="0"/>
+              </a:spcBef>
+              <a:spcAft>
+                <a:spcPct val="0"/>
+              </a:spcAft>
+              <a:buClrTx/>
+              <a:buSzTx/>
+              <a:buFontTx/>
+              <a:buNone/>
+              <a:tabLst/>
+            </a:pPr>
+            <a:r>
+              <a:rPr kumimoji="0" lang="pt-BR" altLang="pt-BR" sz="1200" b="1" i="0" u="none" strike="noStrike" cap="none" normalizeH="0" baseline="0" dirty="0">
+                <a:ln>
+                  <a:noFill/>
+                </a:ln>
+                <a:solidFill>
+                  <a:srgbClr val="333333"/>
+                </a:solidFill>
+                <a:effectLst/>
+                <a:latin typeface="Verdana" panose="020B0604030504040204" pitchFamily="34" charset="0"/>
+              </a:rPr>
+              <a:t>(computadores, mesas, cadeiras etc.), mas também por aquilo que a companhia representa junto à sociedade e todo conhecimento </a:t>
+            </a:r>
+          </a:p>
+          <a:p>
+            <a:pPr marL="0" marR="0" lvl="0" indent="0" algn="l" defTabSz="914400" rtl="0" eaLnBrk="0" fontAlgn="base" latinLnBrk="0" hangingPunct="0">
+              <a:lnSpc>
+                <a:spcPct val="100000"/>
+              </a:lnSpc>
+              <a:spcBef>
+                <a:spcPct val="0"/>
+              </a:spcBef>
+              <a:spcAft>
+                <a:spcPct val="0"/>
+              </a:spcAft>
+              <a:buClrTx/>
+              <a:buSzTx/>
+              <a:buFontTx/>
+              <a:buNone/>
+              <a:tabLst/>
+            </a:pPr>
+            <a:r>
+              <a:rPr kumimoji="0" lang="pt-BR" altLang="pt-BR" sz="1200" b="1" i="0" u="none" strike="noStrike" cap="none" normalizeH="0" baseline="0" dirty="0">
+                <a:ln>
+                  <a:noFill/>
+                </a:ln>
+                <a:solidFill>
+                  <a:srgbClr val="333333"/>
+                </a:solidFill>
+                <a:effectLst/>
+                <a:latin typeface="Verdana" panose="020B0604030504040204" pitchFamily="34" charset="0"/>
+              </a:rPr>
+              <a:t>nela existente.</a:t>
+            </a:r>
             <a:br>
-              <a:rPr kumimoji="0" lang="pt-BR" altLang="pt-BR" sz="1800" b="0" i="0" u="none" strike="noStrike" cap="none" normalizeH="0" baseline="0">
-                <a:ln>
-                  <a:noFill/>
-                </a:ln>
-                <a:solidFill>
-                  <a:schemeClr val="tx1"/>
-                </a:solidFill>
-                <a:effectLst/>
-                <a:latin typeface="Arial" panose="020B0604020202020204" pitchFamily="34" charset="0"/>
+              <a:rPr kumimoji="0" lang="pt-BR" altLang="pt-BR" sz="1200" b="1" i="0" u="none" strike="noStrike" cap="none" normalizeH="0" baseline="0" dirty="0">
+                <a:ln>
+                  <a:noFill/>
+                </a:ln>
+                <a:solidFill>
+                  <a:srgbClr val="333333"/>
+                </a:solidFill>
+                <a:effectLst/>
+                <a:latin typeface="Verdana" panose="020B0604030504040204" pitchFamily="34" charset="0"/>
               </a:rPr>
             </a:br>
-            <a:endParaRPr kumimoji="0" lang="pt-BR" altLang="pt-BR" sz="1800" b="0" i="0" u="none" strike="noStrike" cap="none" normalizeH="0" baseline="0">
+            <a:r>
+              <a:rPr kumimoji="0" lang="pt-BR" altLang="pt-BR" sz="1200" b="1" i="0" u="none" strike="noStrike" cap="none" normalizeH="0" baseline="0" dirty="0">
+                <a:ln>
+                  <a:noFill/>
+                </a:ln>
+                <a:solidFill>
+                  <a:srgbClr val="333333"/>
+                </a:solidFill>
+                <a:effectLst/>
+                <a:latin typeface="Verdana" panose="020B0604030504040204" pitchFamily="34" charset="0"/>
+              </a:rPr>
+              <a:t>	</a:t>
+            </a:r>
+            <a:br>
+              <a:rPr kumimoji="0" lang="pt-BR" altLang="pt-BR" sz="1200" b="1" i="0" u="none" strike="noStrike" cap="none" normalizeH="0" baseline="0" dirty="0">
+                <a:ln>
+                  <a:noFill/>
+                </a:ln>
+                <a:solidFill>
+                  <a:srgbClr val="333333"/>
+                </a:solidFill>
+                <a:effectLst/>
+                <a:latin typeface="Verdana" panose="020B0604030504040204" pitchFamily="34" charset="0"/>
+              </a:rPr>
+            </a:br>
+            <a:r>
+              <a:rPr kumimoji="0" lang="pt-BR" altLang="pt-BR" sz="1200" b="1" i="0" u="none" strike="noStrike" cap="none" normalizeH="0" baseline="0" dirty="0">
+                <a:ln>
+                  <a:noFill/>
+                </a:ln>
+                <a:solidFill>
+                  <a:srgbClr val="333333"/>
+                </a:solidFill>
+                <a:effectLst/>
+                <a:latin typeface="Verdana" panose="020B0604030504040204" pitchFamily="34" charset="0"/>
+              </a:rPr>
+              <a:t>Neste contexto assinale a alternativa que indica qual o objetivo fundamental da Segurança da Informação.</a:t>
+            </a:r>
+            <a:endParaRPr kumimoji="0" lang="pt-BR" altLang="pt-BR" sz="1800" b="0" i="0" u="none" strike="noStrike" cap="none" normalizeH="0" baseline="0" dirty="0">
               <a:ln>
                 <a:noFill/>
               </a:ln>
@@ -5066,20 +5243,23 @@
               <a:tabLst/>
             </a:pPr>
             <a:r>
-              <a:rPr kumimoji="0" lang="pt-BR" altLang="pt-BR" sz="1200" b="0" i="0" u="none" strike="noStrike" cap="none" normalizeH="0" baseline="0">
-                <a:ln>
-                  <a:noFill/>
-                </a:ln>
-                <a:solidFill>
-                  <a:srgbClr val="333333"/>
-                </a:solidFill>
-                <a:effectLst/>
+              <a:rPr kumimoji="0" lang="pt-BR" altLang="pt-BR" sz="1200" b="0" i="0" u="none" strike="noStrike" cap="none" normalizeH="0" baseline="0" dirty="0">
+                <a:ln>
+                  <a:noFill/>
+                </a:ln>
+                <a:solidFill>
+                  <a:srgbClr val="333333"/>
+                </a:solidFill>
+                <a:effectLst/>
+                <a:highlight>
+                  <a:srgbClr val="FFFF00"/>
+                </a:highlight>
                 <a:latin typeface="Verdana" panose="020B0604030504040204" pitchFamily="34" charset="0"/>
               </a:rPr>
               <a:t>Visa à proteção de todos os ativos de uma empresa que contêm informações.</a:t>
             </a:r>
             <a:br>
-              <a:rPr kumimoji="0" lang="pt-BR" altLang="pt-BR" sz="1200" b="0" i="0" u="none" strike="noStrike" cap="none" normalizeH="0" baseline="0">
+              <a:rPr kumimoji="0" lang="pt-BR" altLang="pt-BR" sz="1200" b="0" i="0" u="none" strike="noStrike" cap="none" normalizeH="0" baseline="0" dirty="0">
                 <a:ln>
                   <a:noFill/>
                 </a:ln>
@@ -5090,7 +5270,7 @@
                 <a:latin typeface="Verdana" panose="020B0604030504040204" pitchFamily="34" charset="0"/>
               </a:rPr>
             </a:br>
-            <a:endParaRPr kumimoji="0" lang="pt-BR" altLang="pt-BR" sz="1200" b="0" i="0" u="none" strike="noStrike" cap="none" normalizeH="0" baseline="0">
+            <a:endParaRPr kumimoji="0" lang="pt-BR" altLang="pt-BR" sz="1200" b="0" i="0" u="none" strike="noStrike" cap="none" normalizeH="0" baseline="0" dirty="0">
               <a:ln>
                 <a:noFill/>
               </a:ln>
@@ -5119,7 +5299,7 @@
               <a:tabLst/>
             </a:pPr>
             <a:r>
-              <a:rPr kumimoji="0" lang="pt-BR" altLang="pt-BR" sz="1200" b="0" i="0" u="none" strike="noStrike" cap="none" normalizeH="0" baseline="0">
+              <a:rPr kumimoji="0" lang="pt-BR" altLang="pt-BR" sz="1200" b="0" i="0" u="none" strike="noStrike" cap="none" normalizeH="0" baseline="0" dirty="0">
                 <a:ln>
                   <a:noFill/>
                 </a:ln>
@@ -5132,7 +5312,7 @@
               <a:t>Visam à proteção alguns poucos ativos de uma empresa que contêm informações.</a:t>
             </a:r>
             <a:br>
-              <a:rPr kumimoji="0" lang="pt-BR" altLang="pt-BR" sz="1200" b="0" i="0" u="none" strike="noStrike" cap="none" normalizeH="0" baseline="0">
+              <a:rPr kumimoji="0" lang="pt-BR" altLang="pt-BR" sz="1200" b="0" i="0" u="none" strike="noStrike" cap="none" normalizeH="0" baseline="0" dirty="0">
                 <a:ln>
                   <a:noFill/>
                 </a:ln>
@@ -5143,7 +5323,7 @@
                 <a:latin typeface="Verdana" panose="020B0604030504040204" pitchFamily="34" charset="0"/>
               </a:rPr>
             </a:br>
-            <a:endParaRPr kumimoji="0" lang="pt-BR" altLang="pt-BR" sz="1200" b="0" i="0" u="none" strike="noStrike" cap="none" normalizeH="0" baseline="0">
+            <a:endParaRPr kumimoji="0" lang="pt-BR" altLang="pt-BR" sz="1200" b="0" i="0" u="none" strike="noStrike" cap="none" normalizeH="0" baseline="0" dirty="0">
               <a:ln>
                 <a:noFill/>
               </a:ln>
@@ -5172,7 +5352,7 @@
               <a:tabLst/>
             </a:pPr>
             <a:r>
-              <a:rPr kumimoji="0" lang="pt-BR" altLang="pt-BR" sz="1200" b="0" i="0" u="none" strike="noStrike" cap="none" normalizeH="0" baseline="0">
+              <a:rPr kumimoji="0" lang="pt-BR" altLang="pt-BR" sz="1200" b="0" i="0" u="none" strike="noStrike" cap="none" normalizeH="0" baseline="0" dirty="0">
                 <a:ln>
                   <a:noFill/>
                 </a:ln>
@@ -5185,7 +5365,7 @@
               <a:t>Visa à proteção dos equipamentos de uma empresa que contêm informações.</a:t>
             </a:r>
             <a:br>
-              <a:rPr kumimoji="0" lang="pt-BR" altLang="pt-BR" sz="1200" b="0" i="0" u="none" strike="noStrike" cap="none" normalizeH="0" baseline="0">
+              <a:rPr kumimoji="0" lang="pt-BR" altLang="pt-BR" sz="1200" b="0" i="0" u="none" strike="noStrike" cap="none" normalizeH="0" baseline="0" dirty="0">
                 <a:ln>
                   <a:noFill/>
                 </a:ln>
@@ -5196,7 +5376,7 @@
                 <a:latin typeface="Verdana" panose="020B0604030504040204" pitchFamily="34" charset="0"/>
               </a:rPr>
             </a:br>
-            <a:endParaRPr kumimoji="0" lang="pt-BR" altLang="pt-BR" sz="1200" b="0" i="0" u="none" strike="noStrike" cap="none" normalizeH="0" baseline="0">
+            <a:endParaRPr kumimoji="0" lang="pt-BR" altLang="pt-BR" sz="1200" b="0" i="0" u="none" strike="noStrike" cap="none" normalizeH="0" baseline="0" dirty="0">
               <a:ln>
                 <a:noFill/>
               </a:ln>
@@ -5225,7 +5405,7 @@
               <a:tabLst/>
             </a:pPr>
             <a:r>
-              <a:rPr kumimoji="0" lang="pt-BR" altLang="pt-BR" sz="1200" b="0" i="0" u="none" strike="noStrike" cap="none" normalizeH="0" baseline="0">
+              <a:rPr kumimoji="0" lang="pt-BR" altLang="pt-BR" sz="1200" b="0" i="0" u="none" strike="noStrike" cap="none" normalizeH="0" baseline="0" dirty="0">
                 <a:ln>
                   <a:noFill/>
                 </a:ln>
@@ -5237,7 +5417,7 @@
               </a:rPr>
               <a:t>Visa à proteção, com o foco na internet da empresa, dos ativos que contêm informações.</a:t>
             </a:r>
-            <a:endParaRPr kumimoji="0" lang="pt-BR" altLang="pt-BR" sz="1800" b="0" i="0" u="none" strike="noStrike" cap="none" normalizeH="0" baseline="0">
+            <a:endParaRPr kumimoji="0" lang="pt-BR" altLang="pt-BR" sz="1800" b="0" i="0" u="none" strike="noStrike" cap="none" normalizeH="0" baseline="0" dirty="0">
               <a:ln>
                 <a:noFill/>
               </a:ln>
@@ -5874,6 +6054,9 @@
                   <a:srgbClr val="333333"/>
                 </a:solidFill>
                 <a:effectLst/>
+                <a:highlight>
+                  <a:srgbClr val="FFFF00"/>
+                </a:highlight>
                 <a:latin typeface="Verdana" panose="020B0604030504040204" pitchFamily="34" charset="0"/>
               </a:rPr>
               <a:t>F, F, F, V.</a:t>
@@ -6725,6 +6908,9 @@
                   <a:srgbClr val="333333"/>
                 </a:solidFill>
                 <a:effectLst/>
+                <a:highlight>
+                  <a:srgbClr val="FFFF00"/>
+                </a:highlight>
                 <a:latin typeface="Verdana" panose="020B0604030504040204" pitchFamily="34" charset="0"/>
               </a:rPr>
               <a:t>F, V, V, F.</a:t>
@@ -7728,6 +7914,9 @@
                   <a:srgbClr val="333333"/>
                 </a:solidFill>
                 <a:effectLst/>
+                <a:highlight>
+                  <a:srgbClr val="FFFF00"/>
+                </a:highlight>
                 <a:latin typeface="Verdana" panose="020B0604030504040204" pitchFamily="34" charset="0"/>
               </a:rPr>
               <a:t>( ) O termo sublinhado refere-se ao processo eletrônico de assinatura, baseado em um sistema criptográfico assimétrico, que permite ao usuário </a:t>
@@ -7759,6 +7948,9 @@
                   <a:srgbClr val="333333"/>
                 </a:solidFill>
                 <a:effectLst/>
+                <a:highlight>
+                  <a:srgbClr val="FFFF00"/>
+                </a:highlight>
                 <a:latin typeface="Verdana" panose="020B0604030504040204" pitchFamily="34" charset="0"/>
               </a:rPr>
               <a:t>usar sua chave privada para declarar a autoria de documento eletrônico a ser entregue, garantindo a integridade do seu conteúdo.</a:t>
@@ -8511,6 +8703,9 @@
                   <a:srgbClr val="333333"/>
                 </a:solidFill>
                 <a:effectLst/>
+                <a:highlight>
+                  <a:srgbClr val="FFFF00"/>
+                </a:highlight>
                 <a:latin typeface="Times New Roman" panose="02020603050405020304" pitchFamily="18" charset="0"/>
                 <a:cs typeface="Times New Roman" panose="02020603050405020304" pitchFamily="18" charset="0"/>
               </a:rPr>
@@ -8525,6 +8720,9 @@
                   <a:srgbClr val="333333"/>
                 </a:solidFill>
                 <a:effectLst/>
+                <a:highlight>
+                  <a:srgbClr val="FFFF00"/>
+                </a:highlight>
                 <a:latin typeface="Times New Roman" panose="02020603050405020304" pitchFamily="18" charset="0"/>
                 <a:cs typeface="Times New Roman" panose="02020603050405020304" pitchFamily="18" charset="0"/>
               </a:rPr>
@@ -8538,6 +8736,9 @@
                 <a:schemeClr val="tx1"/>
               </a:solidFill>
               <a:effectLst/>
+              <a:highlight>
+                <a:srgbClr val="FFFF00"/>
+              </a:highlight>
               <a:latin typeface="Times New Roman" panose="02020603050405020304" pitchFamily="18" charset="0"/>
               <a:cs typeface="Times New Roman" panose="02020603050405020304" pitchFamily="18" charset="0"/>
             </a:endParaRPr>
@@ -8980,6 +9181,9 @@
                   <a:srgbClr val="333333"/>
                 </a:solidFill>
                 <a:effectLst/>
+                <a:highlight>
+                  <a:srgbClr val="FFFF00"/>
+                </a:highlight>
                 <a:latin typeface="Verdana" panose="020B0604030504040204" pitchFamily="34" charset="0"/>
               </a:rPr>
               <a:t>III. O ataque de negação de serviço acontece quando o criminoso envia um comando remoto ordenando que todos os computadores acessem um site ao mesmo tempo, tirando-o do ar por excesso de tráfego.</a:t>
@@ -9005,6 +9209,9 @@
                   <a:srgbClr val="333333"/>
                 </a:solidFill>
                 <a:effectLst/>
+                <a:highlight>
+                  <a:srgbClr val="FFFF00"/>
+                </a:highlight>
                 <a:latin typeface="Verdana" panose="020B0604030504040204" pitchFamily="34" charset="0"/>
               </a:rPr>
               <a:t>IV. Ataques de negação de serviço são normalmente difíceis de contornar, porque as solicitações maliciosas, com o intuito de sobrecarregar o serviço, costumam chegar de vários computadores diferentes.</a:t>
@@ -9293,6 +9500,9 @@
                   <a:srgbClr val="333333"/>
                 </a:solidFill>
                 <a:effectLst/>
+                <a:highlight>
+                  <a:srgbClr val="FFFF00"/>
+                </a:highlight>
                 <a:latin typeface="Verdana" panose="020B0604030504040204" pitchFamily="34" charset="0"/>
               </a:rPr>
               <a:t>III e IV</a:t>
@@ -9305,6 +9515,9 @@
                 <a:schemeClr val="tx1"/>
               </a:solidFill>
               <a:effectLst/>
+              <a:highlight>
+                <a:srgbClr val="FFFF00"/>
+              </a:highlight>
               <a:latin typeface="Arial" panose="020B0604020202020204" pitchFamily="34" charset="0"/>
             </a:endParaRPr>
           </a:p>
@@ -9783,6 +9996,9 @@
                   <a:srgbClr val="333333"/>
                 </a:solidFill>
                 <a:effectLst/>
+                <a:highlight>
+                  <a:srgbClr val="FFFF00"/>
+                </a:highlight>
                 <a:latin typeface="Verdana" panose="020B0604030504040204" pitchFamily="34" charset="0"/>
               </a:rPr>
               <a:t>( ) VPN</a:t>
@@ -10532,6 +10748,9 @@
                   <a:srgbClr val="333333"/>
                 </a:solidFill>
                 <a:effectLst/>
+                <a:highlight>
+                  <a:srgbClr val="FFFF00"/>
+                </a:highlight>
                 <a:latin typeface="Verdana" panose="020B0604030504040204" pitchFamily="34" charset="0"/>
               </a:rPr>
               <a:t>( ) Secreta já que a informação é crítica para a atividade da empresa e deve ser preservada a qualquer custo com acesso restrito a um número reduzido de pessoas.</a:t>
@@ -10544,6 +10763,9 @@
                 <a:schemeClr val="tx1"/>
               </a:solidFill>
               <a:effectLst/>
+              <a:highlight>
+                <a:srgbClr val="FFFF00"/>
+              </a:highlight>
               <a:latin typeface="Arial" panose="020B0604020202020204" pitchFamily="34" charset="0"/>
             </a:endParaRPr>
           </a:p>
@@ -10938,6 +11160,9 @@
                   <a:srgbClr val="333333"/>
                 </a:solidFill>
                 <a:effectLst/>
+                <a:highlight>
+                  <a:srgbClr val="FFFF00"/>
+                </a:highlight>
                 <a:latin typeface="Verdana" panose="020B0604030504040204" pitchFamily="34" charset="0"/>
               </a:rPr>
               <a:t>( ) Antes que a política de segurança seja escrita, é necessário definir a informação a ser protegida e isto é feito, geralmente, através da análise de riscos.</a:t>
@@ -13257,6 +13482,15 @@
 </file>
 
 <file path=customXml/item1.xml><?xml version="1.0" encoding="utf-8"?>
+<?mso-contentType ?>
+<FormTemplates xmlns="http://schemas.microsoft.com/sharepoint/v3/contenttype/forms">
+  <Display>DocumentLibraryForm</Display>
+  <Edit>DocumentLibraryForm</Edit>
+  <New>DocumentLibraryForm</New>
+</FormTemplates>
+</file>
+
+<file path=customXml/item2.xml><?xml version="1.0" encoding="utf-8"?>
 <ct:contentTypeSchema xmlns:ct="http://schemas.microsoft.com/office/2006/metadata/contentType" xmlns:ma="http://schemas.microsoft.com/office/2006/metadata/properties/metaAttributes" ct:_="" ma:_="" ma:contentTypeName="Documento" ma:contentTypeID="0x010100CFDF7CFB516D244090085CB25C791B67" ma:contentTypeVersion="2" ma:contentTypeDescription="Crie um novo documento." ma:contentTypeScope="" ma:versionID="8ff061b1230d899b3b803abcb830d524">
   <xsd:schema xmlns:xsd="http://www.w3.org/2001/XMLSchema" xmlns:xs="http://www.w3.org/2001/XMLSchema" xmlns:p="http://schemas.microsoft.com/office/2006/metadata/properties" xmlns:ns2="4b81baa3-bd77-40b5-8fe9-d4acfbdd393b" targetNamespace="http://schemas.microsoft.com/office/2006/metadata/properties" ma:root="true" ma:fieldsID="0920d275fb064d92a00adb41b10b4aa3" ns2:_="">
     <xsd:import namespace="4b81baa3-bd77-40b5-8fe9-d4acfbdd393b"/>
@@ -13388,15 +13622,6 @@
 </ct:contentTypeSchema>
 </file>
 
-<file path=customXml/item2.xml><?xml version="1.0" encoding="utf-8"?>
-<?mso-contentType ?>
-<FormTemplates xmlns="http://schemas.microsoft.com/sharepoint/v3/contenttype/forms">
-  <Display>DocumentLibraryForm</Display>
-  <Edit>DocumentLibraryForm</Edit>
-  <New>DocumentLibraryForm</New>
-</FormTemplates>
-</file>
-
 <file path=customXml/item3.xml><?xml version="1.0" encoding="utf-8"?>
 <p:properties xmlns:p="http://schemas.microsoft.com/office/2006/metadata/properties" xmlns:xsi="http://www.w3.org/2001/XMLSchema-instance" xmlns:pc="http://schemas.microsoft.com/office/infopath/2007/PartnerControls">
   <documentManagement/>
@@ -13404,13 +13629,36 @@
 </file>
 
 <file path=customXml/itemProps1.xml><?xml version="1.0" encoding="utf-8"?>
-<ds:datastoreItem xmlns:ds="http://schemas.openxmlformats.org/officeDocument/2006/customXml" ds:itemID="{F9245AC4-166B-4CD6-BEA2-E40128909263}"/>
+<ds:datastoreItem xmlns:ds="http://schemas.openxmlformats.org/officeDocument/2006/customXml" ds:itemID="{7D9DC98B-6947-455E-877F-F9FD8EE801C7}">
+  <ds:schemaRefs>
+    <ds:schemaRef ds:uri="http://schemas.microsoft.com/sharepoint/v3/contenttype/forms"/>
+  </ds:schemaRefs>
+</ds:datastoreItem>
 </file>
 
 <file path=customXml/itemProps2.xml><?xml version="1.0" encoding="utf-8"?>
-<ds:datastoreItem xmlns:ds="http://schemas.openxmlformats.org/officeDocument/2006/customXml" ds:itemID="{7D9DC98B-6947-455E-877F-F9FD8EE801C7}"/>
+<ds:datastoreItem xmlns:ds="http://schemas.openxmlformats.org/officeDocument/2006/customXml" ds:itemID="{F9245AC4-166B-4CD6-BEA2-E40128909263}">
+  <ds:schemaRefs>
+    <ds:schemaRef ds:uri="http://schemas.microsoft.com/office/2006/metadata/contentType"/>
+    <ds:schemaRef ds:uri="http://schemas.microsoft.com/office/2006/metadata/properties/metaAttributes"/>
+    <ds:schemaRef ds:uri="http://www.w3.org/2001/XMLSchema"/>
+    <ds:schemaRef ds:uri="http://schemas.microsoft.com/office/2006/metadata/properties"/>
+    <ds:schemaRef ds:uri="4b81baa3-bd77-40b5-8fe9-d4acfbdd393b"/>
+    <ds:schemaRef ds:uri="http://schemas.microsoft.com/office/2006/documentManagement/types"/>
+    <ds:schemaRef ds:uri="http://schemas.microsoft.com/office/infopath/2007/PartnerControls"/>
+    <ds:schemaRef ds:uri="http://schemas.openxmlformats.org/package/2006/metadata/core-properties"/>
+    <ds:schemaRef ds:uri="http://purl.org/dc/elements/1.1/"/>
+    <ds:schemaRef ds:uri="http://purl.org/dc/terms/"/>
+    <ds:schemaRef ds:uri="http://schemas.microsoft.com/internal/obd"/>
+  </ds:schemaRefs>
+</ds:datastoreItem>
 </file>
 
 <file path=customXml/itemProps3.xml><?xml version="1.0" encoding="utf-8"?>
-<ds:datastoreItem xmlns:ds="http://schemas.openxmlformats.org/officeDocument/2006/customXml" ds:itemID="{1919775A-B3D2-41C4-A989-F42717A4EC4A}"/>
+<ds:datastoreItem xmlns:ds="http://schemas.openxmlformats.org/officeDocument/2006/customXml" ds:itemID="{1919775A-B3D2-41C4-A989-F42717A4EC4A}">
+  <ds:schemaRefs>
+    <ds:schemaRef ds:uri="http://schemas.microsoft.com/office/2006/metadata/properties"/>
+    <ds:schemaRef ds:uri="http://schemas.microsoft.com/office/infopath/2007/PartnerControls"/>
+  </ds:schemaRefs>
+</ds:datastoreItem>
 </file>
--- a/Aula_6.pptx
+++ b/Aula_6.pptx
@@ -279,7 +279,7 @@
           <a:p>
             <a:fld id="{D2478908-4858-4E7E-B96C-74B964B1318E}" type="datetimeFigureOut">
               <a:rPr lang="pt-BR" smtClean="0"/>
-              <a:t>19/06/2023</a:t>
+              <a:t>22/06/2023</a:t>
             </a:fld>
             <a:endParaRPr lang="pt-BR"/>
           </a:p>
@@ -477,7 +477,7 @@
           <a:p>
             <a:fld id="{D2478908-4858-4E7E-B96C-74B964B1318E}" type="datetimeFigureOut">
               <a:rPr lang="pt-BR" smtClean="0"/>
-              <a:t>19/06/2023</a:t>
+              <a:t>22/06/2023</a:t>
             </a:fld>
             <a:endParaRPr lang="pt-BR"/>
           </a:p>
@@ -685,7 +685,7 @@
           <a:p>
             <a:fld id="{D2478908-4858-4E7E-B96C-74B964B1318E}" type="datetimeFigureOut">
               <a:rPr lang="pt-BR" smtClean="0"/>
-              <a:t>19/06/2023</a:t>
+              <a:t>22/06/2023</a:t>
             </a:fld>
             <a:endParaRPr lang="pt-BR"/>
           </a:p>
@@ -883,7 +883,7 @@
           <a:p>
             <a:fld id="{D2478908-4858-4E7E-B96C-74B964B1318E}" type="datetimeFigureOut">
               <a:rPr lang="pt-BR" smtClean="0"/>
-              <a:t>19/06/2023</a:t>
+              <a:t>22/06/2023</a:t>
             </a:fld>
             <a:endParaRPr lang="pt-BR"/>
           </a:p>
@@ -1158,7 +1158,7 @@
           <a:p>
             <a:fld id="{D2478908-4858-4E7E-B96C-74B964B1318E}" type="datetimeFigureOut">
               <a:rPr lang="pt-BR" smtClean="0"/>
-              <a:t>19/06/2023</a:t>
+              <a:t>22/06/2023</a:t>
             </a:fld>
             <a:endParaRPr lang="pt-BR"/>
           </a:p>
@@ -1423,7 +1423,7 @@
           <a:p>
             <a:fld id="{D2478908-4858-4E7E-B96C-74B964B1318E}" type="datetimeFigureOut">
               <a:rPr lang="pt-BR" smtClean="0"/>
-              <a:t>19/06/2023</a:t>
+              <a:t>22/06/2023</a:t>
             </a:fld>
             <a:endParaRPr lang="pt-BR"/>
           </a:p>
@@ -1835,7 +1835,7 @@
           <a:p>
             <a:fld id="{D2478908-4858-4E7E-B96C-74B964B1318E}" type="datetimeFigureOut">
               <a:rPr lang="pt-BR" smtClean="0"/>
-              <a:t>19/06/2023</a:t>
+              <a:t>22/06/2023</a:t>
             </a:fld>
             <a:endParaRPr lang="pt-BR"/>
           </a:p>
@@ -1976,7 +1976,7 @@
           <a:p>
             <a:fld id="{D2478908-4858-4E7E-B96C-74B964B1318E}" type="datetimeFigureOut">
               <a:rPr lang="pt-BR" smtClean="0"/>
-              <a:t>19/06/2023</a:t>
+              <a:t>22/06/2023</a:t>
             </a:fld>
             <a:endParaRPr lang="pt-BR"/>
           </a:p>
@@ -2089,7 +2089,7 @@
           <a:p>
             <a:fld id="{D2478908-4858-4E7E-B96C-74B964B1318E}" type="datetimeFigureOut">
               <a:rPr lang="pt-BR" smtClean="0"/>
-              <a:t>19/06/2023</a:t>
+              <a:t>22/06/2023</a:t>
             </a:fld>
             <a:endParaRPr lang="pt-BR"/>
           </a:p>
@@ -2400,7 +2400,7 @@
           <a:p>
             <a:fld id="{D2478908-4858-4E7E-B96C-74B964B1318E}" type="datetimeFigureOut">
               <a:rPr lang="pt-BR" smtClean="0"/>
-              <a:t>19/06/2023</a:t>
+              <a:t>22/06/2023</a:t>
             </a:fld>
             <a:endParaRPr lang="pt-BR"/>
           </a:p>
@@ -2688,7 +2688,7 @@
           <a:p>
             <a:fld id="{D2478908-4858-4E7E-B96C-74B964B1318E}" type="datetimeFigureOut">
               <a:rPr lang="pt-BR" smtClean="0"/>
-              <a:t>19/06/2023</a:t>
+              <a:t>22/06/2023</a:t>
             </a:fld>
             <a:endParaRPr lang="pt-BR"/>
           </a:p>
@@ -2929,7 +2929,7 @@
           <a:p>
             <a:fld id="{D2478908-4858-4E7E-B96C-74B964B1318E}" type="datetimeFigureOut">
               <a:rPr lang="pt-BR" smtClean="0"/>
-              <a:t>19/06/2023</a:t>
+              <a:t>22/06/2023</a:t>
             </a:fld>
             <a:endParaRPr lang="pt-BR"/>
           </a:p>
@@ -12531,7 +12531,7 @@
         </p:nvSpPr>
         <p:spPr>
           <a:xfrm>
-            <a:off x="403621" y="2829011"/>
+            <a:off x="403621" y="3004297"/>
             <a:ext cx="8368903" cy="369332"/>
           </a:xfrm>
           <a:prstGeom prst="rect">
@@ -13491,6 +13491,12 @@
 </file>
 
 <file path=customXml/item2.xml><?xml version="1.0" encoding="utf-8"?>
+<p:properties xmlns:p="http://schemas.microsoft.com/office/2006/metadata/properties" xmlns:xsi="http://www.w3.org/2001/XMLSchema-instance" xmlns:pc="http://schemas.microsoft.com/office/infopath/2007/PartnerControls">
+  <documentManagement/>
+</p:properties>
+</file>
+
+<file path=customXml/item3.xml><?xml version="1.0" encoding="utf-8"?>
 <ct:contentTypeSchema xmlns:ct="http://schemas.microsoft.com/office/2006/metadata/contentType" xmlns:ma="http://schemas.microsoft.com/office/2006/metadata/properties/metaAttributes" ct:_="" ma:_="" ma:contentTypeName="Documento" ma:contentTypeID="0x010100CFDF7CFB516D244090085CB25C791B67" ma:contentTypeVersion="2" ma:contentTypeDescription="Crie um novo documento." ma:contentTypeScope="" ma:versionID="8ff061b1230d899b3b803abcb830d524">
   <xsd:schema xmlns:xsd="http://www.w3.org/2001/XMLSchema" xmlns:xs="http://www.w3.org/2001/XMLSchema" xmlns:p="http://schemas.microsoft.com/office/2006/metadata/properties" xmlns:ns2="4b81baa3-bd77-40b5-8fe9-d4acfbdd393b" targetNamespace="http://schemas.microsoft.com/office/2006/metadata/properties" ma:root="true" ma:fieldsID="0920d275fb064d92a00adb41b10b4aa3" ns2:_="">
     <xsd:import namespace="4b81baa3-bd77-40b5-8fe9-d4acfbdd393b"/>
@@ -13622,12 +13628,6 @@
 </ct:contentTypeSchema>
 </file>
 
-<file path=customXml/item3.xml><?xml version="1.0" encoding="utf-8"?>
-<p:properties xmlns:p="http://schemas.microsoft.com/office/2006/metadata/properties" xmlns:xsi="http://www.w3.org/2001/XMLSchema-instance" xmlns:pc="http://schemas.microsoft.com/office/infopath/2007/PartnerControls">
-  <documentManagement/>
-</p:properties>
-</file>
-
 <file path=customXml/itemProps1.xml><?xml version="1.0" encoding="utf-8"?>
 <ds:datastoreItem xmlns:ds="http://schemas.openxmlformats.org/officeDocument/2006/customXml" ds:itemID="{7D9DC98B-6947-455E-877F-F9FD8EE801C7}">
   <ds:schemaRefs>
@@ -13637,6 +13637,15 @@
 </file>
 
 <file path=customXml/itemProps2.xml><?xml version="1.0" encoding="utf-8"?>
+<ds:datastoreItem xmlns:ds="http://schemas.openxmlformats.org/officeDocument/2006/customXml" ds:itemID="{1919775A-B3D2-41C4-A989-F42717A4EC4A}">
+  <ds:schemaRefs>
+    <ds:schemaRef ds:uri="http://schemas.microsoft.com/office/2006/metadata/properties"/>
+    <ds:schemaRef ds:uri="http://schemas.microsoft.com/office/infopath/2007/PartnerControls"/>
+  </ds:schemaRefs>
+</ds:datastoreItem>
+</file>
+
+<file path=customXml/itemProps3.xml><?xml version="1.0" encoding="utf-8"?>
 <ds:datastoreItem xmlns:ds="http://schemas.openxmlformats.org/officeDocument/2006/customXml" ds:itemID="{F9245AC4-166B-4CD6-BEA2-E40128909263}">
   <ds:schemaRefs>
     <ds:schemaRef ds:uri="http://schemas.microsoft.com/office/2006/metadata/contentType"/>
@@ -13652,13 +13661,4 @@
     <ds:schemaRef ds:uri="http://schemas.microsoft.com/internal/obd"/>
   </ds:schemaRefs>
 </ds:datastoreItem>
-</file>
-
-<file path=customXml/itemProps3.xml><?xml version="1.0" encoding="utf-8"?>
-<ds:datastoreItem xmlns:ds="http://schemas.openxmlformats.org/officeDocument/2006/customXml" ds:itemID="{1919775A-B3D2-41C4-A989-F42717A4EC4A}">
-  <ds:schemaRefs>
-    <ds:schemaRef ds:uri="http://schemas.microsoft.com/office/2006/metadata/properties"/>
-    <ds:schemaRef ds:uri="http://schemas.microsoft.com/office/infopath/2007/PartnerControls"/>
-  </ds:schemaRefs>
-</ds:datastoreItem>
 </file>